--- a/Obhajoba.pptx
+++ b/Obhajoba.pptx
@@ -8,6 +8,11 @@
     <p:sldId id="256" r:id="rId3"/>
     <p:sldId id="257" r:id="rId4"/>
     <p:sldId id="258" r:id="rId5"/>
+    <p:sldId id="259" r:id="rId6"/>
+    <p:sldId id="260" r:id="rId7"/>
+    <p:sldId id="261" r:id="rId8"/>
+    <p:sldId id="262" r:id="rId9"/>
+    <p:sldId id="263" r:id="rId10"/>
   </p:sldIdLst>
   <p:sldSz cx="12192000" cy="6858000"/>
   <p:notesSz cx="12192000" cy="6858000"/>
@@ -3349,7 +3354,7 @@
             </a:pPr>
             <a:r>
               <a:rPr/>
-              <a:t>otázky k obhajobě,</a:t>
+              <a:t>otázky pro obhajobu,</a:t>
             </a:r>
             <a:endParaRPr/>
           </a:p>
@@ -3416,7 +3421,7 @@
       </p:grpSpPr>
       <p:sp>
         <p:nvSpPr>
-          <p:cNvPr id="1155422899" name="Title 1"/>
+          <p:cNvPr id="675811094" name="Title 1"/>
           <p:cNvSpPr>
             <a:spLocks noGrp="1"/>
           </p:cNvSpPr>
@@ -3434,15 +3439,15 @@
             </a:pPr>
             <a:r>
               <a:rPr/>
-              <a:t>Co FileCommander umí?</a:t>
-            </a:r>
-            <a:endParaRPr/>
-          </a:p>
-        </p:txBody>
-      </p:sp>
-      <p:sp>
-        <p:nvSpPr>
-          <p:cNvPr id="1759320333" name="Content Placeholder 2"/>
+              <a:t>Demonstrace</a:t>
+            </a:r>
+            <a:endParaRPr/>
+          </a:p>
+        </p:txBody>
+      </p:sp>
+      <p:sp>
+        <p:nvSpPr>
+          <p:cNvPr id="859319138" name="Content Placeholder 2"/>
           <p:cNvSpPr>
             <a:spLocks noGrp="1"/>
           </p:cNvSpPr>
@@ -3460,7 +3465,7 @@
             </a:pPr>
             <a:r>
               <a:rPr/>
-              <a:t>Procházení adresářů,</a:t>
+              <a:t>Procházení adresářů, navigace,</a:t>
             </a:r>
             <a:endParaRPr/>
           </a:p>
@@ -3470,12 +3475,572 @@
             </a:pPr>
             <a:r>
               <a:rPr/>
-              <a:t>vytváření nových složek,</a:t>
-            </a:r>
-            <a:endParaRPr/>
-          </a:p>
-        </p:txBody>
-      </p:sp>
+              <a:t>vytváření, kopírování, přejmenování, přesun,</a:t>
+            </a:r>
+            <a:endParaRPr/>
+          </a:p>
+          <a:p>
+            <a:pPr>
+              <a:defRPr/>
+            </a:pPr>
+            <a:r>
+              <a:rPr/>
+              <a:t>mazání,</a:t>
+            </a:r>
+            <a:endParaRPr/>
+          </a:p>
+          <a:p>
+            <a:pPr>
+              <a:defRPr/>
+            </a:pPr>
+            <a:r>
+              <a:rPr/>
+              <a:t>archivy,</a:t>
+            </a:r>
+            <a:endParaRPr/>
+          </a:p>
+          <a:p>
+            <a:pPr>
+              <a:defRPr/>
+            </a:pPr>
+            <a:r>
+              <a:rPr/>
+              <a:t>disky.</a:t>
+            </a:r>
+            <a:endParaRPr/>
+          </a:p>
+        </p:txBody>
+      </p:sp>
+    </p:spTree>
+  </p:cSld>
+  <p:clrMapOvr>
+    <a:masterClrMapping/>
+  </p:clrMapOvr>
+  <mc:AlternateContent xmlns:mc="http://schemas.openxmlformats.org/markup-compatibility/2006">
+    <mc:Choice xmlns:p14="http://schemas.microsoft.com/office/powerpoint/2010/main" Requires="p14">
+      <p:transition p14:dur="2000" advClick="1"/>
+    </mc:Choice>
+    <mc:Fallback>
+      <p:transition advClick="1"/>
+    </mc:Fallback>
+  </mc:AlternateContent>
+</p:sld>
+</file>
+
+<file path=ppt/slides/slide4.xml><?xml version="1.0" encoding="utf-8"?>
+<p:sld xmlns:a="http://schemas.openxmlformats.org/drawingml/2006/main" xmlns:r="http://schemas.openxmlformats.org/officeDocument/2006/relationships" xmlns:p="http://schemas.openxmlformats.org/presentationml/2006/main" xmlns:m="http://schemas.openxmlformats.org/officeDocument/2006/math" xmlns:w="http://schemas.openxmlformats.org/wordprocessingml/2006/main" showMasterPhAnim="0" show="1">
+  <p:cSld name="">
+    <p:spTree>
+      <p:nvGrpSpPr>
+        <p:cNvPr id="1" name=""/>
+        <p:cNvGrpSpPr/>
+        <p:nvPr/>
+      </p:nvGrpSpPr>
+      <p:grpSpPr bwMode="auto">
+        <a:xfrm>
+          <a:off x="0" y="0"/>
+          <a:ext cx="0" cy="0"/>
+          <a:chOff x="0" y="0"/>
+          <a:chExt cx="0" cy="0"/>
+        </a:xfrm>
+      </p:grpSpPr>
+      <p:sp>
+        <p:nvSpPr>
+          <p:cNvPr id="183097942" name="Title 1"/>
+          <p:cNvSpPr>
+            <a:spLocks noGrp="1"/>
+          </p:cNvSpPr>
+          <p:nvPr>
+            <p:ph type="title"/>
+          </p:nvPr>
+        </p:nvSpPr>
+        <p:spPr bwMode="auto"/>
+        <p:txBody>
+          <a:bodyPr/>
+          <a:lstStyle/>
+          <a:p>
+            <a:pPr>
+              <a:defRPr/>
+            </a:pPr>
+            <a:r>
+              <a:rPr/>
+              <a:t>Zdrojové kódy</a:t>
+            </a:r>
+            <a:endParaRPr/>
+          </a:p>
+        </p:txBody>
+      </p:sp>
+      <p:sp>
+        <p:nvSpPr>
+          <p:cNvPr id="872465800" name="Content Placeholder 2"/>
+          <p:cNvSpPr>
+            <a:spLocks noGrp="1"/>
+          </p:cNvSpPr>
+          <p:nvPr>
+            <p:ph idx="1"/>
+          </p:nvPr>
+        </p:nvSpPr>
+        <p:spPr bwMode="auto"/>
+        <p:txBody>
+          <a:bodyPr/>
+          <a:lstStyle/>
+          <a:p>
+            <a:pPr>
+              <a:defRPr/>
+            </a:pPr>
+            <a:r>
+              <a:rPr/>
+              <a:t>Jádro,</a:t>
+            </a:r>
+            <a:endParaRPr/>
+          </a:p>
+          <a:p>
+            <a:pPr>
+              <a:defRPr/>
+            </a:pPr>
+            <a:r>
+              <a:rPr/>
+              <a:t>nastavení,</a:t>
+            </a:r>
+            <a:endParaRPr/>
+          </a:p>
+          <a:p>
+            <a:pPr>
+              <a:defRPr/>
+            </a:pPr>
+            <a:r>
+              <a:rPr/>
+              <a:t>vykreslování UI,</a:t>
+            </a:r>
+            <a:endParaRPr/>
+          </a:p>
+          <a:p>
+            <a:pPr>
+              <a:defRPr/>
+            </a:pPr>
+            <a:r>
+              <a:rPr/>
+              <a:t>navigace.</a:t>
+            </a:r>
+            <a:endParaRPr/>
+          </a:p>
+        </p:txBody>
+      </p:sp>
+    </p:spTree>
+  </p:cSld>
+  <p:clrMapOvr>
+    <a:masterClrMapping/>
+  </p:clrMapOvr>
+  <mc:AlternateContent xmlns:mc="http://schemas.openxmlformats.org/markup-compatibility/2006">
+    <mc:Choice xmlns:p14="http://schemas.microsoft.com/office/powerpoint/2010/main" Requires="p14">
+      <p:transition p14:dur="2000" advClick="1"/>
+    </mc:Choice>
+    <mc:Fallback>
+      <p:transition advClick="1"/>
+    </mc:Fallback>
+  </mc:AlternateContent>
+</p:sld>
+</file>
+
+<file path=ppt/slides/slide5.xml><?xml version="1.0" encoding="utf-8"?>
+<p:sld xmlns:a="http://schemas.openxmlformats.org/drawingml/2006/main" xmlns:r="http://schemas.openxmlformats.org/officeDocument/2006/relationships" xmlns:p="http://schemas.openxmlformats.org/presentationml/2006/main" xmlns:m="http://schemas.openxmlformats.org/officeDocument/2006/math" xmlns:w="http://schemas.openxmlformats.org/wordprocessingml/2006/main" showMasterPhAnim="0" show="1">
+  <p:cSld name="">
+    <p:spTree>
+      <p:nvGrpSpPr>
+        <p:cNvPr id="1" name=""/>
+        <p:cNvGrpSpPr/>
+        <p:nvPr/>
+      </p:nvGrpSpPr>
+      <p:grpSpPr bwMode="auto">
+        <a:xfrm>
+          <a:off x="0" y="0"/>
+          <a:ext cx="0" cy="0"/>
+          <a:chOff x="0" y="0"/>
+          <a:chExt cx="0" cy="0"/>
+        </a:xfrm>
+      </p:grpSpPr>
+      <p:sp>
+        <p:nvSpPr>
+          <p:cNvPr id="1689564096" name="Title 1"/>
+          <p:cNvSpPr>
+            <a:spLocks noGrp="1"/>
+          </p:cNvSpPr>
+          <p:nvPr>
+            <p:ph type="title"/>
+          </p:nvPr>
+        </p:nvSpPr>
+        <p:spPr bwMode="auto"/>
+        <p:txBody>
+          <a:bodyPr/>
+          <a:lstStyle/>
+          <a:p>
+            <a:pPr>
+              <a:defRPr/>
+            </a:pPr>
+            <a:r>
+              <a:rPr/>
+              <a:t>Otázky pro obhajobu</a:t>
+            </a:r>
+            <a:endParaRPr/>
+          </a:p>
+        </p:txBody>
+      </p:sp>
+      <p:sp>
+        <p:nvSpPr>
+          <p:cNvPr id="472430353" name="Content Placeholder 2"/>
+          <p:cNvSpPr>
+            <a:spLocks noGrp="1"/>
+          </p:cNvSpPr>
+          <p:nvPr>
+            <p:ph idx="1"/>
+          </p:nvPr>
+        </p:nvSpPr>
+        <p:spPr bwMode="auto"/>
+        <p:txBody>
+          <a:bodyPr/>
+          <a:lstStyle/>
+          <a:p>
+            <a:pPr>
+              <a:defRPr/>
+            </a:pPr>
+            <a:r>
+              <a:rPr/>
+              <a:t>Proč je historie ukládána do datového typu Stack?</a:t>
+            </a:r>
+            <a:endParaRPr/>
+          </a:p>
+          <a:p>
+            <a:pPr>
+              <a:defRPr/>
+            </a:pPr>
+            <a:r>
+              <a:rPr/>
+              <a:t>Jakým způsobem by šlo ošetřit selhání operací?</a:t>
+            </a:r>
+            <a:endParaRPr/>
+          </a:p>
+          <a:p>
+            <a:pPr>
+              <a:defRPr/>
+            </a:pPr>
+            <a:r>
+              <a:rPr/>
+              <a:t>Proč právě GTK?</a:t>
+            </a:r>
+            <a:endParaRPr/>
+          </a:p>
+          <a:p>
+            <a:pPr>
+              <a:defRPr/>
+            </a:pPr>
+            <a:r>
+              <a:rPr/>
+              <a:t>Na jakou část programu jsem nejvíce pyšný?</a:t>
+            </a:r>
+            <a:endParaRPr/>
+          </a:p>
+        </p:txBody>
+      </p:sp>
+    </p:spTree>
+  </p:cSld>
+  <p:clrMapOvr>
+    <a:masterClrMapping/>
+  </p:clrMapOvr>
+  <mc:AlternateContent xmlns:mc="http://schemas.openxmlformats.org/markup-compatibility/2006">
+    <mc:Choice xmlns:p14="http://schemas.microsoft.com/office/powerpoint/2010/main" Requires="p14">
+      <p:transition p14:dur="2000" advClick="1"/>
+    </mc:Choice>
+    <mc:Fallback>
+      <p:transition advClick="1"/>
+    </mc:Fallback>
+  </mc:AlternateContent>
+</p:sld>
+</file>
+
+<file path=ppt/slides/slide6.xml><?xml version="1.0" encoding="utf-8"?>
+<p:sld xmlns:a="http://schemas.openxmlformats.org/drawingml/2006/main" xmlns:r="http://schemas.openxmlformats.org/officeDocument/2006/relationships" xmlns:p="http://schemas.openxmlformats.org/presentationml/2006/main" xmlns:m="http://schemas.openxmlformats.org/officeDocument/2006/math" xmlns:w="http://schemas.openxmlformats.org/wordprocessingml/2006/main" showMasterPhAnim="0" show="1">
+  <p:cSld name="">
+    <p:spTree>
+      <p:nvGrpSpPr>
+        <p:cNvPr id="1" name=""/>
+        <p:cNvGrpSpPr/>
+        <p:nvPr/>
+      </p:nvGrpSpPr>
+      <p:grpSpPr bwMode="auto">
+        <a:xfrm>
+          <a:off x="0" y="0"/>
+          <a:ext cx="0" cy="0"/>
+          <a:chOff x="0" y="0"/>
+          <a:chExt cx="0" cy="0"/>
+        </a:xfrm>
+      </p:grpSpPr>
+      <p:sp>
+        <p:nvSpPr>
+          <p:cNvPr id="10677605" name="Title 1"/>
+          <p:cNvSpPr>
+            <a:spLocks noGrp="1"/>
+          </p:cNvSpPr>
+          <p:nvPr>
+            <p:ph type="title"/>
+          </p:nvPr>
+        </p:nvSpPr>
+        <p:spPr bwMode="auto"/>
+        <p:txBody>
+          <a:bodyPr/>
+          <a:lstStyle/>
+          <a:p>
+            <a:pPr>
+              <a:defRPr/>
+            </a:pPr>
+            <a:r>
+              <a:rPr/>
+              <a:t>Teoretická část – práce se soubory</a:t>
+            </a:r>
+            <a:endParaRPr/>
+          </a:p>
+        </p:txBody>
+      </p:sp>
+      <p:sp>
+        <p:nvSpPr>
+          <p:cNvPr id="939695545" name="Content Placeholder 2"/>
+          <p:cNvSpPr>
+            <a:spLocks noGrp="1"/>
+          </p:cNvSpPr>
+          <p:nvPr>
+            <p:ph idx="1"/>
+          </p:nvPr>
+        </p:nvSpPr>
+        <p:spPr bwMode="auto"/>
+        <p:txBody>
+          <a:bodyPr/>
+          <a:lstStyle/>
+          <a:p>
+            <a:pPr>
+              <a:defRPr/>
+            </a:pPr>
+            <a:r>
+              <a:rPr/>
+              <a:t>Soubor = sada dat, textový nebo binární,</a:t>
+            </a:r>
+            <a:endParaRPr/>
+          </a:p>
+          <a:p>
+            <a:pPr>
+              <a:defRPr/>
+            </a:pPr>
+            <a:r>
+              <a:rPr/>
+              <a:t>pro čtení musíme soubor otevřít </a:t>
+            </a:r>
+            <a:r>
+              <a:rPr/>
+              <a:t>- StreamReader/Writer</a:t>
+            </a:r>
+            <a:endParaRPr/>
+          </a:p>
+          <a:p>
+            <a:pPr>
+              <a:defRPr/>
+            </a:pPr>
+            <a:r>
+              <a:rPr/>
+              <a:t>třída Path,</a:t>
+            </a:r>
+            <a:endParaRPr/>
+          </a:p>
+          <a:p>
+            <a:pPr>
+              <a:defRPr/>
+            </a:pPr>
+            <a:r>
+              <a:rPr/>
+              <a:t>třída Directory,</a:t>
+            </a:r>
+            <a:endParaRPr/>
+          </a:p>
+          <a:p>
+            <a:pPr>
+              <a:defRPr/>
+            </a:pPr>
+            <a:r>
+              <a:rPr/>
+              <a:t>třída File.</a:t>
+            </a:r>
+            <a:endParaRPr/>
+          </a:p>
+        </p:txBody>
+      </p:sp>
+    </p:spTree>
+  </p:cSld>
+  <p:clrMapOvr>
+    <a:masterClrMapping/>
+  </p:clrMapOvr>
+  <mc:AlternateContent xmlns:mc="http://schemas.openxmlformats.org/markup-compatibility/2006">
+    <mc:Choice xmlns:p14="http://schemas.microsoft.com/office/powerpoint/2010/main" Requires="p14">
+      <p:transition p14:dur="2000" advClick="1"/>
+    </mc:Choice>
+    <mc:Fallback>
+      <p:transition advClick="1"/>
+    </mc:Fallback>
+  </mc:AlternateContent>
+</p:sld>
+</file>
+
+<file path=ppt/slides/slide7.xml><?xml version="1.0" encoding="utf-8"?>
+<p:sld xmlns:a="http://schemas.openxmlformats.org/drawingml/2006/main" xmlns:r="http://schemas.openxmlformats.org/officeDocument/2006/relationships" xmlns:p="http://schemas.openxmlformats.org/presentationml/2006/main" xmlns:m="http://schemas.openxmlformats.org/officeDocument/2006/math" xmlns:w="http://schemas.openxmlformats.org/wordprocessingml/2006/main" showMasterPhAnim="0" show="1">
+  <p:cSld name="">
+    <p:spTree>
+      <p:nvGrpSpPr>
+        <p:cNvPr id="1" name=""/>
+        <p:cNvGrpSpPr/>
+        <p:nvPr/>
+      </p:nvGrpSpPr>
+      <p:grpSpPr bwMode="auto">
+        <a:xfrm>
+          <a:off x="0" y="0"/>
+          <a:ext cx="0" cy="0"/>
+          <a:chOff x="0" y="0"/>
+          <a:chExt cx="0" cy="0"/>
+        </a:xfrm>
+      </p:grpSpPr>
+      <p:sp>
+        <p:nvSpPr>
+          <p:cNvPr id="453200341" name="Title 1"/>
+          <p:cNvSpPr>
+            <a:spLocks noGrp="1"/>
+          </p:cNvSpPr>
+          <p:nvPr>
+            <p:ph type="title"/>
+          </p:nvPr>
+        </p:nvSpPr>
+        <p:spPr bwMode="auto"/>
+        <p:txBody>
+          <a:bodyPr/>
+          <a:lstStyle/>
+          <a:p>
+            <a:pPr>
+              <a:defRPr/>
+            </a:pPr>
+            <a:r>
+              <a:rPr/>
+              <a:t>Zhodnocení</a:t>
+            </a:r>
+            <a:endParaRPr/>
+          </a:p>
+        </p:txBody>
+      </p:sp>
+      <p:sp>
+        <p:nvSpPr>
+          <p:cNvPr id="1036824981" name="Content Placeholder 2"/>
+          <p:cNvSpPr>
+            <a:spLocks noGrp="1"/>
+          </p:cNvSpPr>
+          <p:nvPr>
+            <p:ph idx="1"/>
+          </p:nvPr>
+        </p:nvSpPr>
+        <p:spPr bwMode="auto"/>
+        <p:txBody>
+          <a:bodyPr/>
+          <a:lstStyle/>
+          <a:p>
+            <a:pPr>
+              <a:defRPr/>
+            </a:pPr>
+            <a:endParaRPr/>
+          </a:p>
+        </p:txBody>
+      </p:sp>
+    </p:spTree>
+  </p:cSld>
+  <p:clrMapOvr>
+    <a:masterClrMapping/>
+  </p:clrMapOvr>
+  <mc:AlternateContent xmlns:mc="http://schemas.openxmlformats.org/markup-compatibility/2006">
+    <mc:Choice xmlns:p14="http://schemas.microsoft.com/office/powerpoint/2010/main" Requires="p14">
+      <p:transition p14:dur="2000" advClick="1"/>
+    </mc:Choice>
+    <mc:Fallback>
+      <p:transition advClick="1"/>
+    </mc:Fallback>
+  </mc:AlternateContent>
+</p:sld>
+</file>
+
+<file path=ppt/slides/slide8.xml><?xml version="1.0" encoding="utf-8"?>
+<p:sld xmlns:a="http://schemas.openxmlformats.org/drawingml/2006/main" xmlns:r="http://schemas.openxmlformats.org/officeDocument/2006/relationships" xmlns:p="http://schemas.openxmlformats.org/presentationml/2006/main" xmlns:m="http://schemas.openxmlformats.org/officeDocument/2006/math" xmlns:w="http://schemas.openxmlformats.org/wordprocessingml/2006/main" showMasterPhAnim="0" show="1">
+  <p:cSld name="">
+    <p:spTree>
+      <p:nvGrpSpPr>
+        <p:cNvPr id="1" name=""/>
+        <p:cNvGrpSpPr/>
+        <p:nvPr/>
+      </p:nvGrpSpPr>
+      <p:grpSpPr bwMode="auto">
+        <a:xfrm>
+          <a:off x="0" y="0"/>
+          <a:ext cx="0" cy="0"/>
+          <a:chOff x="0" y="0"/>
+          <a:chExt cx="0" cy="0"/>
+        </a:xfrm>
+      </p:grpSpPr>
+      <p:sp>
+        <p:nvSpPr>
+          <p:cNvPr id="569134111" name="Title 1"/>
+          <p:cNvSpPr>
+            <a:spLocks noGrp="1"/>
+          </p:cNvSpPr>
+          <p:nvPr>
+            <p:ph type="title"/>
+          </p:nvPr>
+        </p:nvSpPr>
+        <p:spPr bwMode="auto"/>
+        <p:txBody>
+          <a:bodyPr/>
+          <a:lstStyle/>
+          <a:p>
+            <a:pPr>
+              <a:defRPr/>
+            </a:pPr>
+            <a:r>
+              <a:rPr lang="en-US" sz="4400" b="0" i="0" u="none" strike="noStrike" cap="none" spc="0">
+                <a:solidFill>
+                  <a:schemeClr val="tx1"/>
+                </a:solidFill>
+                <a:latin typeface="+mj-lt"/>
+                <a:ea typeface="+mj-ea"/>
+                <a:cs typeface="+mj-cs"/>
+              </a:rPr>
+              <a:t>Běh FileCommanderu na Windows</a:t>
+            </a:r>
+            <a:endParaRPr/>
+          </a:p>
+        </p:txBody>
+      </p:sp>
+      <p:pic>
+        <p:nvPicPr>
+          <p:cNvPr id="1890325566" name=""/>
+          <p:cNvPicPr>
+            <a:picLocks noChangeAspect="1"/>
+          </p:cNvPicPr>
+          <p:nvPr>
+            <p:ph idx="1"/>
+          </p:nvPr>
+        </p:nvPicPr>
+        <p:blipFill>
+          <a:blip r:embed="rId2"/>
+          <a:stretch/>
+        </p:blipFill>
+        <p:spPr bwMode="auto">
+          <a:xfrm rot="0" flipH="0" flipV="0">
+            <a:off x="3326351" y="1362305"/>
+            <a:ext cx="5539294" cy="5316148"/>
+          </a:xfrm>
+          <a:prstGeom prst="rect">
+            <a:avLst/>
+          </a:prstGeom>
+        </p:spPr>
+      </p:pic>
     </p:spTree>
   </p:cSld>
   <p:clrMapOvr>
